--- a/NantoNBai/nanto-n-bai-template(1).pptx
+++ b/NantoNBai/nanto-n-bai-template(1).pptx
@@ -1122,7 +1122,7 @@
           <a:p>
             <a:fld id="{27C68100-8D67-4B90-A73A-CC464530F445}" type="datetimeFigureOut">
               <a:rPr kumimoji="1" lang="ja-JP" altLang="en-US" smtClean="0"/>
-              <a:t>2023/12/12</a:t>
+              <a:t>2023/12/20</a:t>
             </a:fld>
             <a:endParaRPr kumimoji="1" lang="ja-JP" altLang="en-US"/>
           </a:p>
@@ -1352,7 +1352,7 @@
           <a:p>
             <a:fld id="{27C68100-8D67-4B90-A73A-CC464530F445}" type="datetimeFigureOut">
               <a:rPr kumimoji="1" lang="ja-JP" altLang="en-US" smtClean="0"/>
-              <a:t>2023/12/12</a:t>
+              <a:t>2023/12/20</a:t>
             </a:fld>
             <a:endParaRPr kumimoji="1" lang="ja-JP" altLang="en-US"/>
           </a:p>
@@ -1592,7 +1592,7 @@
           <a:p>
             <a:fld id="{27C68100-8D67-4B90-A73A-CC464530F445}" type="datetimeFigureOut">
               <a:rPr kumimoji="1" lang="ja-JP" altLang="en-US" smtClean="0"/>
-              <a:t>2023/12/12</a:t>
+              <a:t>2023/12/20</a:t>
             </a:fld>
             <a:endParaRPr kumimoji="1" lang="ja-JP" altLang="en-US"/>
           </a:p>
@@ -1822,7 +1822,7 @@
           <a:p>
             <a:fld id="{27C68100-8D67-4B90-A73A-CC464530F445}" type="datetimeFigureOut">
               <a:rPr kumimoji="1" lang="ja-JP" altLang="en-US" smtClean="0"/>
-              <a:t>2023/12/12</a:t>
+              <a:t>2023/12/20</a:t>
             </a:fld>
             <a:endParaRPr kumimoji="1" lang="ja-JP" altLang="en-US"/>
           </a:p>
@@ -2097,7 +2097,7 @@
           <a:p>
             <a:fld id="{27C68100-8D67-4B90-A73A-CC464530F445}" type="datetimeFigureOut">
               <a:rPr kumimoji="1" lang="ja-JP" altLang="en-US" smtClean="0"/>
-              <a:t>2023/12/12</a:t>
+              <a:t>2023/12/20</a:t>
             </a:fld>
             <a:endParaRPr kumimoji="1" lang="ja-JP" altLang="en-US"/>
           </a:p>
@@ -2426,7 +2426,7 @@
           <a:p>
             <a:fld id="{27C68100-8D67-4B90-A73A-CC464530F445}" type="datetimeFigureOut">
               <a:rPr kumimoji="1" lang="ja-JP" altLang="en-US" smtClean="0"/>
-              <a:t>2023/12/12</a:t>
+              <a:t>2023/12/20</a:t>
             </a:fld>
             <a:endParaRPr kumimoji="1" lang="ja-JP" altLang="en-US"/>
           </a:p>
@@ -2902,7 +2902,7 @@
           <a:p>
             <a:fld id="{27C68100-8D67-4B90-A73A-CC464530F445}" type="datetimeFigureOut">
               <a:rPr kumimoji="1" lang="ja-JP" altLang="en-US" smtClean="0"/>
-              <a:t>2023/12/12</a:t>
+              <a:t>2023/12/20</a:t>
             </a:fld>
             <a:endParaRPr kumimoji="1" lang="ja-JP" altLang="en-US"/>
           </a:p>
@@ -3043,7 +3043,7 @@
           <a:p>
             <a:fld id="{27C68100-8D67-4B90-A73A-CC464530F445}" type="datetimeFigureOut">
               <a:rPr kumimoji="1" lang="ja-JP" altLang="en-US" smtClean="0"/>
-              <a:t>2023/12/12</a:t>
+              <a:t>2023/12/20</a:t>
             </a:fld>
             <a:endParaRPr kumimoji="1" lang="ja-JP" altLang="en-US"/>
           </a:p>
@@ -3156,7 +3156,7 @@
           <a:p>
             <a:fld id="{27C68100-8D67-4B90-A73A-CC464530F445}" type="datetimeFigureOut">
               <a:rPr kumimoji="1" lang="ja-JP" altLang="en-US" smtClean="0"/>
-              <a:t>2023/12/12</a:t>
+              <a:t>2023/12/20</a:t>
             </a:fld>
             <a:endParaRPr kumimoji="1" lang="ja-JP" altLang="en-US"/>
           </a:p>
@@ -3499,7 +3499,7 @@
           <a:p>
             <a:fld id="{27C68100-8D67-4B90-A73A-CC464530F445}" type="datetimeFigureOut">
               <a:rPr kumimoji="1" lang="ja-JP" altLang="en-US" smtClean="0"/>
-              <a:t>2023/12/12</a:t>
+              <a:t>2023/12/20</a:t>
             </a:fld>
             <a:endParaRPr kumimoji="1" lang="ja-JP" altLang="en-US"/>
           </a:p>
@@ -3787,7 +3787,7 @@
           <a:p>
             <a:fld id="{27C68100-8D67-4B90-A73A-CC464530F445}" type="datetimeFigureOut">
               <a:rPr kumimoji="1" lang="ja-JP" altLang="en-US" smtClean="0"/>
-              <a:t>2023/12/12</a:t>
+              <a:t>2023/12/20</a:t>
             </a:fld>
             <a:endParaRPr kumimoji="1" lang="ja-JP" altLang="en-US"/>
           </a:p>
@@ -4060,7 +4060,7 @@
           <a:p>
             <a:fld id="{27C68100-8D67-4B90-A73A-CC464530F445}" type="datetimeFigureOut">
               <a:rPr kumimoji="1" lang="ja-JP" altLang="en-US" smtClean="0"/>
-              <a:t>2023/12/12</a:t>
+              <a:t>2023/12/20</a:t>
             </a:fld>
             <a:endParaRPr kumimoji="1" lang="ja-JP" altLang="en-US"/>
           </a:p>
@@ -4499,24 +4499,8 @@
           <a:lstStyle/>
           <a:p>
             <a:r>
-              <a:rPr kumimoji="1" lang="ja-JP" altLang="en-US" dirty="0"/>
-              <a:t>なんと</a:t>
-            </a:r>
-            <a:r>
-              <a:rPr kumimoji="1" lang="en-US" altLang="ja-JP" dirty="0"/>
-              <a:t>{}</a:t>
-            </a:r>
-            <a:r>
-              <a:rPr kumimoji="1" lang="ja-JP" altLang="en-US" dirty="0"/>
-              <a:t>が</a:t>
-            </a:r>
-            <a:r>
-              <a:rPr kumimoji="1" lang="en-US" altLang="ja-JP" dirty="0"/>
-              <a:t>{}</a:t>
-            </a:r>
-            <a:r>
-              <a:rPr kumimoji="1" lang="ja-JP" altLang="en-US"/>
-              <a:t>倍に！</a:t>
+              <a:rPr lang="en-US" altLang="ja-JP"/>
+              <a:t>title</a:t>
             </a:r>
             <a:endParaRPr kumimoji="1" lang="ja-JP" altLang="en-US" dirty="0"/>
           </a:p>
